--- a/One_Pager_Resume.pptx
+++ b/One_Pager_Resume.pptx
@@ -25630,7 +25630,7 @@
         </p:nvSpPr>
         <p:spPr>
           <a:xfrm>
-            <a:off x="4806021" y="2868928"/>
+            <a:off x="4811770" y="2932211"/>
             <a:ext cx="4278726" cy="3621503"/>
           </a:xfrm>
         </p:spPr>
@@ -25654,9 +25654,6 @@
           </a:p>
           <a:p>
             <a:pPr marL="171450" indent="-171450">
-              <a:lnSpc>
-                <a:spcPct val="100000"/>
-              </a:lnSpc>
               <a:spcAft>
                 <a:spcPts val="0"/>
               </a:spcAft>
@@ -25665,7 +25662,7 @@
             </a:pPr>
             <a:r>
               <a:rPr lang="en-IN" dirty="0"/>
-              <a:t>Built and deployed a Java web app using a complete DevOps toolchain.</a:t>
+              <a:t>Built and deployed a Java web app using Jenkins, Maven, and GitHub.</a:t>
             </a:r>
           </a:p>
           <a:p>
@@ -25836,25 +25833,79 @@
             </a:pPr>
             <a:r>
               <a:rPr lang="en-US" b="1" dirty="0"/>
-              <a:t>Deployed a full-stack chat application on Kubernetes using </a:t>
+              <a:t>Deployed a chat application on Kubernetes using </a:t>
             </a:r>
             <a:r>
               <a:rPr lang="en-US" b="1" dirty="0" err="1"/>
               <a:t>Minikube</a:t>
             </a:r>
+            <a:endParaRPr lang="en-US" b="1" dirty="0"/>
+          </a:p>
+          <a:p>
+            <a:pPr marL="171450" indent="-171450">
+              <a:spcAft>
+                <a:spcPts val="0"/>
+              </a:spcAft>
+              <a:buFont typeface="Arial" panose="020B0604020202020204" pitchFamily="34" charset="0"/>
+              <a:buChar char="•"/>
+            </a:pPr>
             <a:r>
               <a:rPr lang="en-US" dirty="0"/>
-              <a:t> — containerized frontend/backend with Docker, pushed images to </a:t>
+              <a:t>Containerized frontend/backend; pushed to </a:t>
             </a:r>
             <a:r>
               <a:rPr lang="en-US" dirty="0" err="1"/>
               <a:t>DockerHub</a:t>
             </a:r>
+            <a:endParaRPr lang="en-US" dirty="0"/>
+          </a:p>
+          <a:p>
+            <a:pPr marL="171450" indent="-171450">
+              <a:lnSpc>
+                <a:spcPct val="100000"/>
+              </a:lnSpc>
+              <a:spcAft>
+                <a:spcPts val="0"/>
+              </a:spcAft>
+              <a:buFont typeface="Arial" panose="020B0604020202020204" pitchFamily="34" charset="0"/>
+              <a:buChar char="•"/>
+            </a:pPr>
             <a:r>
-              <a:rPr lang="en-US" dirty="0"/>
-              <a:t>, applied Kubernetes manifests (deployments, services, volumes, secrets), configured persistent storage for MongoDB, secured backend with secrets, and hosted locally via custom domain routing</a:t>
+              <a:rPr lang="en-IN" dirty="0"/>
+              <a:t>Applied YAML manifests (deployments, services, volumes, secrets)</a:t>
             </a:r>
-            <a:endParaRPr lang="en-IN" dirty="0"/>
+          </a:p>
+          <a:p>
+            <a:pPr marL="171450" indent="-171450">
+              <a:lnSpc>
+                <a:spcPct val="100000"/>
+              </a:lnSpc>
+              <a:spcAft>
+                <a:spcPts val="0"/>
+              </a:spcAft>
+              <a:buFont typeface="Arial" panose="020B0604020202020204" pitchFamily="34" charset="0"/>
+              <a:buChar char="•"/>
+            </a:pPr>
+            <a:r>
+              <a:rPr lang="en-IN" dirty="0"/>
+              <a:t>Set up MongoDB with persistent volume; used secrets for secured backend access</a:t>
+            </a:r>
+          </a:p>
+          <a:p>
+            <a:pPr marL="171450" indent="-171450">
+              <a:lnSpc>
+                <a:spcPct val="100000"/>
+              </a:lnSpc>
+              <a:spcAft>
+                <a:spcPts val="0"/>
+              </a:spcAft>
+              <a:buFont typeface="Arial" panose="020B0604020202020204" pitchFamily="34" charset="0"/>
+              <a:buChar char="•"/>
+            </a:pPr>
+            <a:r>
+              <a:rPr lang="en-IN" dirty="0"/>
+              <a:t>Hosted app via local custom domain routing</a:t>
+            </a:r>
           </a:p>
           <a:p>
             <a:pPr>
@@ -25878,21 +25929,24 @@
             </a:pPr>
             <a:r>
               <a:rPr lang="en-IN" b="1" dirty="0"/>
-              <a:t>Student Placement Committee Member</a:t>
+              <a:t>Student Placement Committee Member, </a:t>
+            </a:r>
+            <a:r>
+              <a:rPr lang="en-IN" i="1" dirty="0"/>
+              <a:t>LPU MCA Dept</a:t>
             </a:r>
           </a:p>
           <a:p>
-            <a:pPr>
-              <a:lnSpc>
-                <a:spcPct val="100000"/>
-              </a:lnSpc>
+            <a:pPr marL="171450" indent="-171450">
               <a:spcAft>
                 <a:spcPts val="0"/>
               </a:spcAft>
+              <a:buFont typeface="Arial" panose="020B0604020202020204" pitchFamily="34" charset="0"/>
+              <a:buChar char="•"/>
             </a:pPr>
             <a:r>
-              <a:rPr lang="en-IN" i="1" dirty="0"/>
-              <a:t>Lovely Professional University (MCA Dept.)</a:t>
+              <a:rPr lang="en-US" dirty="0"/>
+              <a:t>Coordinated student placement interests with faculty &amp; recruiters</a:t>
             </a:r>
           </a:p>
           <a:p>
@@ -25908,39 +25962,21 @@
             </a:pPr>
             <a:r>
               <a:rPr lang="en-US" dirty="0"/>
-              <a:t>Collaborated with faculty and placement officers on recruitment planning.</a:t>
+              <a:t>Promoted upskilling through alumni and company outreach</a:t>
             </a:r>
           </a:p>
           <a:p>
-            <a:pPr marL="171450" indent="-171450">
+            <a:pPr>
               <a:lnSpc>
                 <a:spcPct val="100000"/>
               </a:lnSpc>
               <a:spcAft>
                 <a:spcPts val="0"/>
               </a:spcAft>
-              <a:buFont typeface="Arial" panose="020B0604020202020204" pitchFamily="34" charset="0"/>
-              <a:buChar char="•"/>
             </a:pPr>
             <a:r>
               <a:rPr lang="en-US" dirty="0"/>
-              <a:t>Coordinated with students to gather job preferences and promote upskilling.</a:t>
-            </a:r>
-          </a:p>
-          <a:p>
-            <a:pPr marL="171450" indent="-171450">
-              <a:lnSpc>
-                <a:spcPct val="100000"/>
-              </a:lnSpc>
-              <a:spcAft>
-                <a:spcPts val="0"/>
-              </a:spcAft>
-              <a:buFont typeface="Arial" panose="020B0604020202020204" pitchFamily="34" charset="0"/>
-              <a:buChar char="•"/>
-            </a:pPr>
-            <a:r>
-              <a:rPr lang="en-US" dirty="0"/>
-              <a:t>Contributed to company outreach and alumni engagement initiatives.</a:t>
+              <a:t>.</a:t>
             </a:r>
             <a:endParaRPr lang="en-US" altLang="nl-NL" b="1" dirty="0"/>
           </a:p>
@@ -26195,7 +26231,7 @@
         </p:nvSpPr>
         <p:spPr>
           <a:xfrm>
-            <a:off x="3348038" y="1836737"/>
+            <a:off x="3273425" y="1819095"/>
             <a:ext cx="2382837" cy="263526"/>
           </a:xfrm>
         </p:spPr>
@@ -26206,7 +26242,7 @@
             <a:pPr eaLnBrk="1" hangingPunct="1"/>
             <a:r>
               <a:rPr lang="nl-NL" altLang="nl-NL" dirty="0"/>
-              <a:t>+91 6201799190</a:t>
+              <a:t> +91 6201799190</a:t>
             </a:r>
           </a:p>
         </p:txBody>
@@ -26229,8 +26265,8 @@
         </p:nvSpPr>
         <p:spPr>
           <a:xfrm>
-            <a:off x="305411" y="2849489"/>
-            <a:ext cx="4361046" cy="3932645"/>
+            <a:off x="217974" y="2932211"/>
+            <a:ext cx="4500610" cy="3932645"/>
           </a:xfrm>
         </p:spPr>
         <p:txBody>
@@ -26243,7 +26279,7 @@
             </a:pPr>
             <a:r>
               <a:rPr lang="en-US" altLang="en-US" sz="1050" b="1" dirty="0"/>
-              <a:t>Gained hands-on experience in key </a:t>
+              <a:t> Hands-on experience in key </a:t>
             </a:r>
             <a:r>
               <a:rPr lang="en-US" altLang="en-US" sz="1050" b="1" dirty="0" err="1"/>
@@ -26251,11 +26287,11 @@
             </a:r>
             <a:r>
               <a:rPr lang="en-US" altLang="en-US" sz="1050" b="1" dirty="0"/>
-              <a:t> tools and workflows</a:t>
+              <a:t> tools,</a:t>
             </a:r>
             <a:r>
               <a:rPr lang="en-US" altLang="en-US" sz="1050" dirty="0"/>
-              <a:t>, working on real-time pipelines, containerization, orchestration, and cloud infrastructure setups using Jenkins, Docker, Kubernetes, Ansible, and AWS EC2</a:t>
+              <a:t> working on real-time pipelines, containerization, orchestration, and cloud infrastructure setups using Jenkins, Docker, Kubernetes, Ansible, and AWS EC2</a:t>
             </a:r>
           </a:p>
           <a:p>
@@ -26692,7 +26728,7 @@
         </p:nvSpPr>
         <p:spPr bwMode="white">
           <a:xfrm>
-            <a:off x="3074988" y="1989138"/>
+            <a:off x="3042863" y="1969909"/>
             <a:ext cx="2381250" cy="330200"/>
           </a:xfrm>
           <a:prstGeom prst="rect">
@@ -26943,14 +26979,14 @@
           <p:nvPr>
             <p:extLst>
               <p:ext uri="{D42A27DB-BD31-4B8C-83A1-F6EECF244321}">
-                <p14:modId xmlns:p14="http://schemas.microsoft.com/office/powerpoint/2010/main" val="1306462600"/>
+                <p14:modId xmlns:p14="http://schemas.microsoft.com/office/powerpoint/2010/main" val="2318120584"/>
               </p:ext>
             </p:extLst>
           </p:nvPr>
         </p:nvGraphicFramePr>
         <p:xfrm>
-          <a:off x="9224312" y="1310722"/>
-          <a:ext cx="3004758" cy="5056741"/>
+          <a:off x="9224312" y="1185943"/>
+          <a:ext cx="3004758" cy="5233145"/>
         </p:xfrm>
         <a:graphic>
           <a:graphicData uri="http://schemas.openxmlformats.org/drawingml/2006/table">
@@ -26974,7 +27010,7 @@
                   </a:extLst>
                 </a:gridCol>
               </a:tblGrid>
-              <a:tr h="328531">
+              <a:tr h="355823">
                 <a:tc>
                   <a:txBody>
                     <a:bodyPr/>
@@ -27058,7 +27094,7 @@
                   </a:ext>
                 </a:extLst>
               </a:tr>
-              <a:tr h="240901">
+              <a:tr h="255662">
                 <a:tc>
                   <a:txBody>
                     <a:bodyPr/>
@@ -27148,7 +27184,7 @@
                   </a:ext>
                 </a:extLst>
               </a:tr>
-              <a:tr h="243840">
+              <a:tr h="258781">
                 <a:tc>
                   <a:txBody>
                     <a:bodyPr/>
@@ -27226,7 +27262,7 @@
                   </a:ext>
                 </a:extLst>
               </a:tr>
-              <a:tr h="450557">
+              <a:tr h="485215">
                 <a:tc>
                   <a:txBody>
                     <a:bodyPr/>
@@ -27293,7 +27329,7 @@
                   </a:ext>
                 </a:extLst>
               </a:tr>
-              <a:tr h="450557">
+              <a:tr h="485215">
                 <a:tc>
                   <a:txBody>
                     <a:bodyPr/>
@@ -27386,7 +27422,7 @@
                   </a:ext>
                 </a:extLst>
               </a:tr>
-              <a:tr h="690854">
+              <a:tr h="615738">
                 <a:tc>
                   <a:txBody>
                     <a:bodyPr/>
@@ -27471,7 +27507,7 @@
                           <a:ea typeface="+mn-ea"/>
                           <a:cs typeface="+mn-cs"/>
                         </a:rPr>
-                        <a:t>, Secrets, Namespaces, Ingress, Persistent Volumes, YAML writings), Docker Swarm </a:t>
+                        <a:t>, Secrets, Ingress, Persistent Volumes, YAML writings), Docker Swarm </a:t>
                       </a:r>
                       <a:endParaRPr kumimoji="0" lang="en-US" sz="800" b="0" i="0" u="none" strike="noStrike" kern="1200" cap="none" spc="0" normalizeH="0" baseline="0" dirty="0">
                         <a:ln>
@@ -27497,7 +27533,7 @@
                   </a:ext>
                 </a:extLst>
               </a:tr>
-              <a:tr h="450557">
+              <a:tr h="485215">
                 <a:tc>
                   <a:txBody>
                     <a:bodyPr/>
@@ -27608,7 +27644,7 @@
                   </a:ext>
                 </a:extLst>
               </a:tr>
-              <a:tr h="450557">
+              <a:tr h="485215">
                 <a:tc>
                   <a:txBody>
                     <a:bodyPr/>
@@ -27671,7 +27707,7 @@
                   </a:ext>
                 </a:extLst>
               </a:tr>
-              <a:tr h="450557">
+              <a:tr h="485215">
                 <a:tc>
                   <a:txBody>
                     <a:bodyPr/>
@@ -27730,7 +27766,7 @@
                   </a:ext>
                 </a:extLst>
               </a:tr>
-              <a:tr h="450557">
+              <a:tr h="379866">
                 <a:tc>
                   <a:txBody>
                     <a:bodyPr/>
@@ -27781,7 +27817,7 @@
                           <a:ea typeface="+mn-ea"/>
                           <a:cs typeface="+mn-cs"/>
                         </a:rPr>
-                        <a:t>ChatGPT, GitHub Copilot (Prompt writing, code generation, debugging assistance)</a:t>
+                        <a:t>GitHub Copilot (Prompt writing, code generation, debugging assistance)</a:t>
                       </a:r>
                     </a:p>
                   </a:txBody>
@@ -27793,7 +27829,7 @@
                   </a:ext>
                 </a:extLst>
               </a:tr>
-              <a:tr h="450557">
+              <a:tr h="485215">
                 <a:tc>
                   <a:txBody>
                     <a:bodyPr/>
@@ -27852,7 +27888,7 @@
                   </a:ext>
                 </a:extLst>
               </a:tr>
-              <a:tr h="330409">
+              <a:tr h="455985">
                 <a:tc>
                   <a:txBody>
                     <a:bodyPr/>
@@ -29025,6 +29061,21 @@
 </file>
 
 <file path=customXml/item1.xml><?xml version="1.0" encoding="utf-8"?>
+<?mso-contentType ?>
+<FormTemplates xmlns="http://schemas.microsoft.com/sharepoint/v3/contenttype/forms">
+  <Display>DocumentLibraryForm</Display>
+  <Edit>DocumentLibraryForm</Edit>
+  <New>DocumentLibraryForm</New>
+</FormTemplates>
+</file>
+
+<file path=customXml/item2.xml><?xml version="1.0" encoding="utf-8"?>
+<p:properties xmlns:p="http://schemas.microsoft.com/office/2006/metadata/properties" xmlns:xsi="http://www.w3.org/2001/XMLSchema-instance" xmlns:pc="http://schemas.microsoft.com/office/infopath/2007/PartnerControls">
+  <documentManagement/>
+</p:properties>
+</file>
+
+<file path=customXml/item3.xml><?xml version="1.0" encoding="utf-8"?>
 <ct:contentTypeSchema xmlns:ct="http://schemas.microsoft.com/office/2006/metadata/contentType" xmlns:ma="http://schemas.microsoft.com/office/2006/metadata/properties/metaAttributes" ct:_="" ma:_="" ma:contentTypeName="Document" ma:contentTypeID="0x010100C6C335947751D34A948C2D4835D9F119" ma:contentTypeVersion="6" ma:contentTypeDescription="Create a new document." ma:contentTypeScope="" ma:versionID="6fa1e5e49f9ce0214e2b0fe1dc9919ca">
   <xsd:schema xmlns:xsd="http://www.w3.org/2001/XMLSchema" xmlns:xs="http://www.w3.org/2001/XMLSchema" xmlns:p="http://schemas.microsoft.com/office/2006/metadata/properties" xmlns:ns2="235f85ef-2c41-480e-8c53-eb492921e613" xmlns:ns3="e8e92d04-1735-4bb8-bdf6-26247388ae0d" targetNamespace="http://schemas.microsoft.com/office/2006/metadata/properties" ma:root="true" ma:fieldsID="d59680b9e697df84b0ce546c7dad91ab" ns2:_="" ns3:_="">
     <xsd:import namespace="235f85ef-2c41-480e-8c53-eb492921e613"/>
@@ -29201,36 +29252,10 @@
 </ct:contentTypeSchema>
 </file>
 
-<file path=customXml/item2.xml><?xml version="1.0" encoding="utf-8"?>
-<p:properties xmlns:p="http://schemas.microsoft.com/office/2006/metadata/properties" xmlns:xsi="http://www.w3.org/2001/XMLSchema-instance" xmlns:pc="http://schemas.microsoft.com/office/infopath/2007/PartnerControls">
-  <documentManagement/>
-</p:properties>
-</file>
-
-<file path=customXml/item3.xml><?xml version="1.0" encoding="utf-8"?>
-<?mso-contentType ?>
-<FormTemplates xmlns="http://schemas.microsoft.com/sharepoint/v3/contenttype/forms">
-  <Display>DocumentLibraryForm</Display>
-  <Edit>DocumentLibraryForm</Edit>
-  <New>DocumentLibraryForm</New>
-</FormTemplates>
-</file>
-
 <file path=customXml/itemProps1.xml><?xml version="1.0" encoding="utf-8"?>
-<ds:datastoreItem xmlns:ds="http://schemas.openxmlformats.org/officeDocument/2006/customXml" ds:itemID="{5211DFE1-4A43-41F3-98F9-B19657257313}">
+<ds:datastoreItem xmlns:ds="http://schemas.openxmlformats.org/officeDocument/2006/customXml" ds:itemID="{93B09ECE-D1C0-42A5-B69E-8C88764DB9F3}">
   <ds:schemaRefs>
-    <ds:schemaRef ds:uri="235f85ef-2c41-480e-8c53-eb492921e613"/>
-    <ds:schemaRef ds:uri="e8e92d04-1735-4bb8-bdf6-26247388ae0d"/>
-    <ds:schemaRef ds:uri="http://purl.org/dc/elements/1.1/"/>
-    <ds:schemaRef ds:uri="http://purl.org/dc/terms/"/>
-    <ds:schemaRef ds:uri="http://schemas.microsoft.com/internal/obd"/>
-    <ds:schemaRef ds:uri="http://schemas.microsoft.com/office/2006/documentManagement/types"/>
-    <ds:schemaRef ds:uri="http://schemas.microsoft.com/office/2006/metadata/contentType"/>
-    <ds:schemaRef ds:uri="http://schemas.microsoft.com/office/2006/metadata/properties"/>
-    <ds:schemaRef ds:uri="http://schemas.microsoft.com/office/2006/metadata/properties/metaAttributes"/>
-    <ds:schemaRef ds:uri="http://schemas.microsoft.com/office/infopath/2007/PartnerControls"/>
-    <ds:schemaRef ds:uri="http://schemas.openxmlformats.org/package/2006/metadata/core-properties"/>
-    <ds:schemaRef ds:uri="http://www.w3.org/2001/XMLSchema"/>
+    <ds:schemaRef ds:uri="http://schemas.microsoft.com/sharepoint/v3/contenttype/forms"/>
   </ds:schemaRefs>
 </ds:datastoreItem>
 </file>
@@ -29253,9 +29278,20 @@
 </file>
 
 <file path=customXml/itemProps3.xml><?xml version="1.0" encoding="utf-8"?>
-<ds:datastoreItem xmlns:ds="http://schemas.openxmlformats.org/officeDocument/2006/customXml" ds:itemID="{93B09ECE-D1C0-42A5-B69E-8C88764DB9F3}">
+<ds:datastoreItem xmlns:ds="http://schemas.openxmlformats.org/officeDocument/2006/customXml" ds:itemID="{5211DFE1-4A43-41F3-98F9-B19657257313}">
   <ds:schemaRefs>
-    <ds:schemaRef ds:uri="http://schemas.microsoft.com/sharepoint/v3/contenttype/forms"/>
+    <ds:schemaRef ds:uri="235f85ef-2c41-480e-8c53-eb492921e613"/>
+    <ds:schemaRef ds:uri="e8e92d04-1735-4bb8-bdf6-26247388ae0d"/>
+    <ds:schemaRef ds:uri="http://purl.org/dc/elements/1.1/"/>
+    <ds:schemaRef ds:uri="http://purl.org/dc/terms/"/>
+    <ds:schemaRef ds:uri="http://schemas.microsoft.com/internal/obd"/>
+    <ds:schemaRef ds:uri="http://schemas.microsoft.com/office/2006/documentManagement/types"/>
+    <ds:schemaRef ds:uri="http://schemas.microsoft.com/office/2006/metadata/contentType"/>
+    <ds:schemaRef ds:uri="http://schemas.microsoft.com/office/2006/metadata/properties"/>
+    <ds:schemaRef ds:uri="http://schemas.microsoft.com/office/2006/metadata/properties/metaAttributes"/>
+    <ds:schemaRef ds:uri="http://schemas.microsoft.com/office/infopath/2007/PartnerControls"/>
+    <ds:schemaRef ds:uri="http://schemas.openxmlformats.org/package/2006/metadata/core-properties"/>
+    <ds:schemaRef ds:uri="http://www.w3.org/2001/XMLSchema"/>
   </ds:schemaRefs>
 </ds:datastoreItem>
 </file>